--- a/Herança (1).pptx
+++ b/Herança (1).pptx
@@ -23,6 +23,9 @@
     <p:sldId id="267" r:id="rId17"/>
     <p:sldId id="268" r:id="rId18"/>
     <p:sldId id="269" r:id="rId19"/>
+    <p:sldId id="274" r:id="rId20"/>
+    <p:sldId id="275" r:id="rId21"/>
+    <p:sldId id="276" r:id="rId22"/>
   </p:sldIdLst>
   <p:sldSz cx="12192000" cy="6858000"/>
   <p:notesSz cx="6858000" cy="9144000"/>
@@ -276,7 +279,7 @@
           <a:p>
             <a:fld id="{8672E9EF-754A-427A-91AB-21444A28D468}" type="datetimeFigureOut">
               <a:rPr lang="pt-BR" smtClean="0"/>
-              <a:t>12/03/2024</a:t>
+              <a:t>18/03/2024</a:t>
             </a:fld>
             <a:endParaRPr lang="pt-BR"/>
           </a:p>
@@ -474,7 +477,7 @@
           <a:p>
             <a:fld id="{8672E9EF-754A-427A-91AB-21444A28D468}" type="datetimeFigureOut">
               <a:rPr lang="pt-BR" smtClean="0"/>
-              <a:t>12/03/2024</a:t>
+              <a:t>18/03/2024</a:t>
             </a:fld>
             <a:endParaRPr lang="pt-BR"/>
           </a:p>
@@ -682,7 +685,7 @@
           <a:p>
             <a:fld id="{8672E9EF-754A-427A-91AB-21444A28D468}" type="datetimeFigureOut">
               <a:rPr lang="pt-BR" smtClean="0"/>
-              <a:t>12/03/2024</a:t>
+              <a:t>18/03/2024</a:t>
             </a:fld>
             <a:endParaRPr lang="pt-BR"/>
           </a:p>
@@ -880,7 +883,7 @@
           <a:p>
             <a:fld id="{8672E9EF-754A-427A-91AB-21444A28D468}" type="datetimeFigureOut">
               <a:rPr lang="pt-BR" smtClean="0"/>
-              <a:t>12/03/2024</a:t>
+              <a:t>18/03/2024</a:t>
             </a:fld>
             <a:endParaRPr lang="pt-BR"/>
           </a:p>
@@ -1155,7 +1158,7 @@
           <a:p>
             <a:fld id="{8672E9EF-754A-427A-91AB-21444A28D468}" type="datetimeFigureOut">
               <a:rPr lang="pt-BR" smtClean="0"/>
-              <a:t>12/03/2024</a:t>
+              <a:t>18/03/2024</a:t>
             </a:fld>
             <a:endParaRPr lang="pt-BR"/>
           </a:p>
@@ -1420,7 +1423,7 @@
           <a:p>
             <a:fld id="{8672E9EF-754A-427A-91AB-21444A28D468}" type="datetimeFigureOut">
               <a:rPr lang="pt-BR" smtClean="0"/>
-              <a:t>12/03/2024</a:t>
+              <a:t>18/03/2024</a:t>
             </a:fld>
             <a:endParaRPr lang="pt-BR"/>
           </a:p>
@@ -1832,7 +1835,7 @@
           <a:p>
             <a:fld id="{8672E9EF-754A-427A-91AB-21444A28D468}" type="datetimeFigureOut">
               <a:rPr lang="pt-BR" smtClean="0"/>
-              <a:t>12/03/2024</a:t>
+              <a:t>18/03/2024</a:t>
             </a:fld>
             <a:endParaRPr lang="pt-BR"/>
           </a:p>
@@ -1973,7 +1976,7 @@
           <a:p>
             <a:fld id="{8672E9EF-754A-427A-91AB-21444A28D468}" type="datetimeFigureOut">
               <a:rPr lang="pt-BR" smtClean="0"/>
-              <a:t>12/03/2024</a:t>
+              <a:t>18/03/2024</a:t>
             </a:fld>
             <a:endParaRPr lang="pt-BR"/>
           </a:p>
@@ -2086,7 +2089,7 @@
           <a:p>
             <a:fld id="{8672E9EF-754A-427A-91AB-21444A28D468}" type="datetimeFigureOut">
               <a:rPr lang="pt-BR" smtClean="0"/>
-              <a:t>12/03/2024</a:t>
+              <a:t>18/03/2024</a:t>
             </a:fld>
             <a:endParaRPr lang="pt-BR"/>
           </a:p>
@@ -2397,7 +2400,7 @@
           <a:p>
             <a:fld id="{8672E9EF-754A-427A-91AB-21444A28D468}" type="datetimeFigureOut">
               <a:rPr lang="pt-BR" smtClean="0"/>
-              <a:t>12/03/2024</a:t>
+              <a:t>18/03/2024</a:t>
             </a:fld>
             <a:endParaRPr lang="pt-BR"/>
           </a:p>
@@ -2685,7 +2688,7 @@
           <a:p>
             <a:fld id="{8672E9EF-754A-427A-91AB-21444A28D468}" type="datetimeFigureOut">
               <a:rPr lang="pt-BR" smtClean="0"/>
-              <a:t>12/03/2024</a:t>
+              <a:t>18/03/2024</a:t>
             </a:fld>
             <a:endParaRPr lang="pt-BR"/>
           </a:p>
@@ -2926,7 +2929,7 @@
           <a:p>
             <a:fld id="{8672E9EF-754A-427A-91AB-21444A28D468}" type="datetimeFigureOut">
               <a:rPr lang="pt-BR" smtClean="0"/>
-              <a:t>12/03/2024</a:t>
+              <a:t>18/03/2024</a:t>
             </a:fld>
             <a:endParaRPr lang="pt-BR"/>
           </a:p>
@@ -4345,7 +4348,7 @@
           <a:p>
             <a:r>
               <a:rPr lang="pt-BR" dirty="0"/>
-              <a:t>Polimorfismo</a:t>
+              <a:t>Polimorfismo de herança</a:t>
             </a:r>
           </a:p>
         </p:txBody>
@@ -4371,32 +4374,60 @@
           <a:bodyPr/>
           <a:lstStyle/>
           <a:p>
-            <a:r>
-              <a:rPr lang="pt-BR" dirty="0"/>
-              <a:t>Quando um objeto da classe pai executa os métodos de suas classes filhas, dinamicamente</a:t>
-            </a:r>
-          </a:p>
-          <a:p>
-            <a:endParaRPr lang="pt-BR" dirty="0"/>
-          </a:p>
-          <a:p>
-            <a:r>
-              <a:rPr lang="pt-BR" dirty="0"/>
-              <a:t>Condição para ocorrer:</a:t>
-            </a:r>
-          </a:p>
-          <a:p>
-            <a:pPr lvl="1"/>
-            <a:r>
-              <a:rPr lang="pt-BR" dirty="0"/>
-              <a:t>Ter herança</a:t>
-            </a:r>
-          </a:p>
-          <a:p>
-            <a:pPr lvl="1"/>
-            <a:r>
-              <a:rPr lang="pt-BR" dirty="0"/>
-              <a:t>Ter anulação de métodos</a:t>
+            <a:pPr algn="l">
+              <a:buFont typeface="Arial" panose="020B0604020202020204" pitchFamily="34" charset="0"/>
+              <a:buChar char="•"/>
+            </a:pPr>
+            <a:r>
+              <a:rPr lang="pt-BR" dirty="0">
+                <a:solidFill>
+                  <a:srgbClr val="0D0D0D"/>
+                </a:solidFill>
+                <a:latin typeface="Söhne"/>
+              </a:rPr>
+              <a:t>B</a:t>
+            </a:r>
+            <a:r>
+              <a:rPr lang="pt-BR" b="0" i="0" dirty="0">
+                <a:solidFill>
+                  <a:srgbClr val="0D0D0D"/>
+                </a:solidFill>
+                <a:effectLst/>
+                <a:latin typeface="Söhne"/>
+              </a:rPr>
+              <a:t>aseado em herança e substituição de métodos.</a:t>
+            </a:r>
+          </a:p>
+          <a:p>
+            <a:pPr algn="l">
+              <a:buFont typeface="Arial" panose="020B0604020202020204" pitchFamily="34" charset="0"/>
+              <a:buChar char="•"/>
+            </a:pPr>
+            <a:r>
+              <a:rPr lang="pt-BR" b="0" i="0" dirty="0">
+                <a:solidFill>
+                  <a:srgbClr val="0D0D0D"/>
+                </a:solidFill>
+                <a:effectLst/>
+                <a:latin typeface="Söhne"/>
+              </a:rPr>
+              <a:t>O polimorfismo de subtipo ocorre quando uma classe filha (subclasse) herda de uma classe pai (superclasse) e substitui os métodos da classe pai com sua própria implementação.</a:t>
+            </a:r>
+          </a:p>
+          <a:p>
+            <a:pPr algn="l">
+              <a:buFont typeface="Arial" panose="020B0604020202020204" pitchFamily="34" charset="0"/>
+              <a:buChar char="•"/>
+            </a:pPr>
+            <a:r>
+              <a:rPr lang="pt-BR" b="0" i="0" dirty="0">
+                <a:solidFill>
+                  <a:srgbClr val="0D0D0D"/>
+                </a:solidFill>
+                <a:effectLst/>
+                <a:latin typeface="Söhne"/>
+              </a:rPr>
+              <a:t>Permite que você trate objetos de subclasses como objetos de sua superclasse, usando a referência da superclasse para manipular os objetos.</a:t>
             </a:r>
           </a:p>
         </p:txBody>
@@ -4644,6 +4675,120 @@
 </p:sld>
 </file>
 
+<file path=ppt/slides/slide19.xml><?xml version="1.0" encoding="utf-8"?>
+<p:sld xmlns:a="http://schemas.openxmlformats.org/drawingml/2006/main" xmlns:r="http://schemas.openxmlformats.org/officeDocument/2006/relationships" xmlns:p="http://schemas.openxmlformats.org/presentationml/2006/main">
+  <p:cSld>
+    <p:spTree>
+      <p:nvGrpSpPr>
+        <p:cNvPr id="1" name=""/>
+        <p:cNvGrpSpPr/>
+        <p:nvPr/>
+      </p:nvGrpSpPr>
+      <p:grpSpPr>
+        <a:xfrm>
+          <a:off x="0" y="0"/>
+          <a:ext cx="0" cy="0"/>
+          <a:chOff x="0" y="0"/>
+          <a:chExt cx="0" cy="0"/>
+        </a:xfrm>
+      </p:grpSpPr>
+      <p:sp>
+        <p:nvSpPr>
+          <p:cNvPr id="2" name="Título 1">
+            <a:extLst>
+              <a:ext uri="{FF2B5EF4-FFF2-40B4-BE49-F238E27FC236}">
+                <a16:creationId xmlns:a16="http://schemas.microsoft.com/office/drawing/2014/main" id="{5F9DC683-98DE-3D8E-1B5D-1725A4F84284}"/>
+              </a:ext>
+            </a:extLst>
+          </p:cNvPr>
+          <p:cNvSpPr>
+            <a:spLocks noGrp="1"/>
+          </p:cNvSpPr>
+          <p:nvPr>
+            <p:ph type="title"/>
+          </p:nvPr>
+        </p:nvSpPr>
+        <p:spPr/>
+        <p:txBody>
+          <a:bodyPr/>
+          <a:lstStyle/>
+          <a:p>
+            <a:r>
+              <a:rPr lang="pt-BR" dirty="0"/>
+              <a:t>Classe Abstrata</a:t>
+            </a:r>
+          </a:p>
+        </p:txBody>
+      </p:sp>
+      <p:sp>
+        <p:nvSpPr>
+          <p:cNvPr id="3" name="Espaço Reservado para Conteúdo 2">
+            <a:extLst>
+              <a:ext uri="{FF2B5EF4-FFF2-40B4-BE49-F238E27FC236}">
+                <a16:creationId xmlns:a16="http://schemas.microsoft.com/office/drawing/2014/main" id="{3F5EBC58-B7DF-BB7C-43F6-BD4A73EA701D}"/>
+              </a:ext>
+            </a:extLst>
+          </p:cNvPr>
+          <p:cNvSpPr>
+            <a:spLocks noGrp="1"/>
+          </p:cNvSpPr>
+          <p:nvPr>
+            <p:ph idx="1"/>
+          </p:nvPr>
+        </p:nvSpPr>
+        <p:spPr/>
+        <p:txBody>
+          <a:bodyPr/>
+          <a:lstStyle/>
+          <a:p>
+            <a:r>
+              <a:rPr lang="pt-BR" dirty="0">
+                <a:solidFill>
+                  <a:srgbClr val="0D0D0D"/>
+                </a:solidFill>
+                <a:latin typeface="Söhne"/>
+              </a:rPr>
+              <a:t>É</a:t>
+            </a:r>
+            <a:r>
+              <a:rPr lang="pt-BR" b="0" i="0" dirty="0">
+                <a:solidFill>
+                  <a:srgbClr val="0D0D0D"/>
+                </a:solidFill>
+                <a:effectLst/>
+                <a:latin typeface="Söhne"/>
+              </a:rPr>
+              <a:t> uma classe que não pode ser instanciada diretamente, mas pode ser usada como uma superclasse para outras classes. </a:t>
+            </a:r>
+          </a:p>
+          <a:p>
+            <a:r>
+              <a:rPr lang="pt-BR" b="0" i="0" dirty="0">
+                <a:solidFill>
+                  <a:srgbClr val="0D0D0D"/>
+                </a:solidFill>
+                <a:effectLst/>
+                <a:latin typeface="Söhne"/>
+              </a:rPr>
+              <a:t>Ela serve como um esqueleto para outras classes que estendem dela, fornecendo implementações parciais ou completas de métodos, enquanto ainda permitindo que subclasses forneçam suas próprias implementações.</a:t>
+            </a:r>
+            <a:endParaRPr lang="pt-BR" dirty="0"/>
+          </a:p>
+        </p:txBody>
+      </p:sp>
+    </p:spTree>
+    <p:extLst>
+      <p:ext uri="{BB962C8B-B14F-4D97-AF65-F5344CB8AC3E}">
+        <p14:creationId xmlns:p14="http://schemas.microsoft.com/office/powerpoint/2010/main" val="448650355"/>
+      </p:ext>
+    </p:extLst>
+  </p:cSld>
+  <p:clrMapOvr>
+    <a:masterClrMapping/>
+  </p:clrMapOvr>
+</p:sld>
+</file>
+
 <file path=ppt/slides/slide2.xml><?xml version="1.0" encoding="utf-8"?>
 <p:sld xmlns:a="http://schemas.openxmlformats.org/drawingml/2006/main" xmlns:r="http://schemas.openxmlformats.org/officeDocument/2006/relationships" xmlns:p="http://schemas.openxmlformats.org/presentationml/2006/main">
   <p:cSld>
@@ -4750,6 +4895,208 @@
     <p:extLst>
       <p:ext uri="{BB962C8B-B14F-4D97-AF65-F5344CB8AC3E}">
         <p14:creationId xmlns:p14="http://schemas.microsoft.com/office/powerpoint/2010/main" val="2489219007"/>
+      </p:ext>
+    </p:extLst>
+  </p:cSld>
+  <p:clrMapOvr>
+    <a:masterClrMapping/>
+  </p:clrMapOvr>
+</p:sld>
+</file>
+
+<file path=ppt/slides/slide20.xml><?xml version="1.0" encoding="utf-8"?>
+<p:sld xmlns:a="http://schemas.openxmlformats.org/drawingml/2006/main" xmlns:r="http://schemas.openxmlformats.org/officeDocument/2006/relationships" xmlns:p="http://schemas.openxmlformats.org/presentationml/2006/main">
+  <p:cSld>
+    <p:spTree>
+      <p:nvGrpSpPr>
+        <p:cNvPr id="1" name=""/>
+        <p:cNvGrpSpPr/>
+        <p:nvPr/>
+      </p:nvGrpSpPr>
+      <p:grpSpPr>
+        <a:xfrm>
+          <a:off x="0" y="0"/>
+          <a:ext cx="0" cy="0"/>
+          <a:chOff x="0" y="0"/>
+          <a:chExt cx="0" cy="0"/>
+        </a:xfrm>
+      </p:grpSpPr>
+      <p:sp>
+        <p:nvSpPr>
+          <p:cNvPr id="2" name="Título 1">
+            <a:extLst>
+              <a:ext uri="{FF2B5EF4-FFF2-40B4-BE49-F238E27FC236}">
+                <a16:creationId xmlns:a16="http://schemas.microsoft.com/office/drawing/2014/main" id="{34012410-0766-7186-7875-32735ED1EF0A}"/>
+              </a:ext>
+            </a:extLst>
+          </p:cNvPr>
+          <p:cNvSpPr>
+            <a:spLocks noGrp="1"/>
+          </p:cNvSpPr>
+          <p:nvPr>
+            <p:ph type="title"/>
+          </p:nvPr>
+        </p:nvSpPr>
+        <p:spPr/>
+        <p:txBody>
+          <a:bodyPr/>
+          <a:lstStyle/>
+          <a:p>
+            <a:r>
+              <a:rPr lang="pt-BR" dirty="0"/>
+              <a:t>Classe Abstrata</a:t>
+            </a:r>
+          </a:p>
+        </p:txBody>
+      </p:sp>
+      <p:sp>
+        <p:nvSpPr>
+          <p:cNvPr id="3" name="Espaço Reservado para Conteúdo 2">
+            <a:extLst>
+              <a:ext uri="{FF2B5EF4-FFF2-40B4-BE49-F238E27FC236}">
+                <a16:creationId xmlns:a16="http://schemas.microsoft.com/office/drawing/2014/main" id="{6979D5FC-1650-F3AE-D77F-084353FB803E}"/>
+              </a:ext>
+            </a:extLst>
+          </p:cNvPr>
+          <p:cNvSpPr>
+            <a:spLocks noGrp="1"/>
+          </p:cNvSpPr>
+          <p:nvPr>
+            <p:ph idx="1"/>
+          </p:nvPr>
+        </p:nvSpPr>
+        <p:spPr/>
+        <p:txBody>
+          <a:bodyPr/>
+          <a:lstStyle/>
+          <a:p>
+            <a:r>
+              <a:rPr lang="pt-BR" dirty="0"/>
+              <a:t>Uma classe abstrata é declarada usando a palavra-chave abstract antes da palavra-chave class.</a:t>
+            </a:r>
+          </a:p>
+          <a:p>
+            <a:r>
+              <a:rPr lang="pt-BR" dirty="0"/>
+              <a:t>Uma classe abstrata pode conter métodos abstratos, que são métodos declarados sem uma implementação.</a:t>
+            </a:r>
+          </a:p>
+          <a:p>
+            <a:r>
+              <a:rPr lang="pt-BR" dirty="0"/>
+              <a:t>Métodos abstratos são definidos usando a palavra-chave abstract e terminam com um ponto e vírgula, sem corpo.</a:t>
+            </a:r>
+          </a:p>
+          <a:p>
+            <a:r>
+              <a:rPr lang="pt-BR" dirty="0"/>
+              <a:t>Subclasses devem fornecer implementações para todos os métodos abstratos da classe abstrata.</a:t>
+            </a:r>
+          </a:p>
+        </p:txBody>
+      </p:sp>
+    </p:spTree>
+    <p:extLst>
+      <p:ext uri="{BB962C8B-B14F-4D97-AF65-F5344CB8AC3E}">
+        <p14:creationId xmlns:p14="http://schemas.microsoft.com/office/powerpoint/2010/main" val="2978935596"/>
+      </p:ext>
+    </p:extLst>
+  </p:cSld>
+  <p:clrMapOvr>
+    <a:masterClrMapping/>
+  </p:clrMapOvr>
+</p:sld>
+</file>
+
+<file path=ppt/slides/slide21.xml><?xml version="1.0" encoding="utf-8"?>
+<p:sld xmlns:a="http://schemas.openxmlformats.org/drawingml/2006/main" xmlns:r="http://schemas.openxmlformats.org/officeDocument/2006/relationships" xmlns:p="http://schemas.openxmlformats.org/presentationml/2006/main">
+  <p:cSld>
+    <p:spTree>
+      <p:nvGrpSpPr>
+        <p:cNvPr id="1" name=""/>
+        <p:cNvGrpSpPr/>
+        <p:nvPr/>
+      </p:nvGrpSpPr>
+      <p:grpSpPr>
+        <a:xfrm>
+          <a:off x="0" y="0"/>
+          <a:ext cx="0" cy="0"/>
+          <a:chOff x="0" y="0"/>
+          <a:chExt cx="0" cy="0"/>
+        </a:xfrm>
+      </p:grpSpPr>
+      <p:sp>
+        <p:nvSpPr>
+          <p:cNvPr id="2" name="Título 1">
+            <a:extLst>
+              <a:ext uri="{FF2B5EF4-FFF2-40B4-BE49-F238E27FC236}">
+                <a16:creationId xmlns:a16="http://schemas.microsoft.com/office/drawing/2014/main" id="{EFEDA35A-2E2B-B616-CD09-8F4102AED646}"/>
+              </a:ext>
+            </a:extLst>
+          </p:cNvPr>
+          <p:cNvSpPr>
+            <a:spLocks noGrp="1"/>
+          </p:cNvSpPr>
+          <p:nvPr>
+            <p:ph type="title"/>
+          </p:nvPr>
+        </p:nvSpPr>
+        <p:spPr/>
+        <p:txBody>
+          <a:bodyPr/>
+          <a:lstStyle/>
+          <a:p>
+            <a:r>
+              <a:rPr lang="pt-BR" dirty="0"/>
+              <a:t>Classe Abstrata</a:t>
+            </a:r>
+          </a:p>
+        </p:txBody>
+      </p:sp>
+      <p:sp>
+        <p:nvSpPr>
+          <p:cNvPr id="3" name="Espaço Reservado para Conteúdo 2">
+            <a:extLst>
+              <a:ext uri="{FF2B5EF4-FFF2-40B4-BE49-F238E27FC236}">
+                <a16:creationId xmlns:a16="http://schemas.microsoft.com/office/drawing/2014/main" id="{2D621B92-B16C-9070-4CE6-0084937486A1}"/>
+              </a:ext>
+            </a:extLst>
+          </p:cNvPr>
+          <p:cNvSpPr>
+            <a:spLocks noGrp="1"/>
+          </p:cNvSpPr>
+          <p:nvPr>
+            <p:ph idx="1"/>
+          </p:nvPr>
+        </p:nvSpPr>
+        <p:spPr/>
+        <p:txBody>
+          <a:bodyPr/>
+          <a:lstStyle/>
+          <a:p>
+            <a:r>
+              <a:rPr lang="pt-BR" dirty="0"/>
+              <a:t>Além de métodos abstratos, uma classe abstrata pode conter métodos concretos (ou normais) com implementações.</a:t>
+            </a:r>
+          </a:p>
+          <a:p>
+            <a:r>
+              <a:rPr lang="pt-BR" dirty="0"/>
+              <a:t>Os métodos concretos podem ser herdados pelas subclasses ou sobrescritos, se necessário.</a:t>
+            </a:r>
+          </a:p>
+          <a:p>
+            <a:r>
+              <a:rPr lang="pt-BR" dirty="0"/>
+              <a:t>Subclasses devem fornecer implementações para todos os métodos abstratos herdados da classe abstrata.</a:t>
+            </a:r>
+          </a:p>
+        </p:txBody>
+      </p:sp>
+    </p:spTree>
+    <p:extLst>
+      <p:ext uri="{BB962C8B-B14F-4D97-AF65-F5344CB8AC3E}">
+        <p14:creationId xmlns:p14="http://schemas.microsoft.com/office/powerpoint/2010/main" val="1433825478"/>
       </p:ext>
     </p:extLst>
   </p:cSld>
@@ -4969,8 +5316,8 @@
         </p:blipFill>
         <p:spPr bwMode="auto">
           <a:xfrm>
-            <a:off x="614363" y="1677194"/>
-            <a:ext cx="9972675" cy="4648200"/>
+            <a:off x="-260530" y="272357"/>
+            <a:ext cx="12787708" cy="5960269"/>
           </a:xfrm>
           <a:prstGeom prst="rect">
             <a:avLst/>
@@ -4987,6 +5334,45 @@
           </a:extLst>
         </p:spPr>
       </p:pic>
+      <p:sp>
+        <p:nvSpPr>
+          <p:cNvPr id="4" name="CaixaDeTexto 3">
+            <a:extLst>
+              <a:ext uri="{FF2B5EF4-FFF2-40B4-BE49-F238E27FC236}">
+                <a16:creationId xmlns:a16="http://schemas.microsoft.com/office/drawing/2014/main" id="{A54E3088-3E7C-6F13-762A-ACA08E4AF184}"/>
+              </a:ext>
+            </a:extLst>
+          </p:cNvPr>
+          <p:cNvSpPr txBox="1"/>
+          <p:nvPr/>
+        </p:nvSpPr>
+        <p:spPr>
+          <a:xfrm>
+            <a:off x="8584163" y="2873829"/>
+            <a:ext cx="655949" cy="369332"/>
+          </a:xfrm>
+          <a:prstGeom prst="rect">
+            <a:avLst/>
+          </a:prstGeom>
+          <a:noFill/>
+        </p:spPr>
+        <p:txBody>
+          <a:bodyPr wrap="none" rtlCol="0">
+            <a:spAutoFit/>
+          </a:bodyPr>
+          <a:lstStyle/>
+          <a:p>
+            <a:r>
+              <a:rPr lang="pt-BR" b="1" dirty="0">
+                <a:solidFill>
+                  <a:srgbClr val="FF0000"/>
+                </a:solidFill>
+              </a:rPr>
+              <a:t>É um</a:t>
+            </a:r>
+          </a:p>
+        </p:txBody>
+      </p:sp>
     </p:spTree>
     <p:extLst>
       <p:ext uri="{BB962C8B-B14F-4D97-AF65-F5344CB8AC3E}">
